--- a/ppt 16-9/1232.收成歌.pptx
+++ b/ppt 16-9/1232.收成歌.pptx
@@ -5,7 +5,7 @@
     <p:sldMasterId id="2147483648" r:id="rId1"/>
   </p:sldMasterIdLst>
   <p:sldIdLst>
-    <p:sldId id="768" r:id="rId2"/>
+    <p:sldId id="769" r:id="rId2"/>
   </p:sldIdLst>
   <p:sldSz cx="12192000" cy="6858000"/>
   <p:notesSz cx="6858000" cy="9144000"/>
@@ -129,7 +129,7 @@
           <p:cNvPr id="2" name="标题 1">
             <a:extLst>
               <a:ext uri="{FF2B5EF4-FFF2-40B4-BE49-F238E27FC236}">
-                <a16:creationId xmlns:a16="http://schemas.microsoft.com/office/drawing/2014/main" id="{79756969-D205-3CF1-8421-2DEB0C5C413A}"/>
+                <a16:creationId xmlns:a16="http://schemas.microsoft.com/office/drawing/2014/main" id="{F4A5CF21-B892-FE48-39ED-8B7383B8DC95}"/>
               </a:ext>
             </a:extLst>
           </p:cNvPr>
@@ -166,7 +166,7 @@
           <p:cNvPr id="3" name="副标题 2">
             <a:extLst>
               <a:ext uri="{FF2B5EF4-FFF2-40B4-BE49-F238E27FC236}">
-                <a16:creationId xmlns:a16="http://schemas.microsoft.com/office/drawing/2014/main" id="{F71320D5-E67D-3875-F3FC-212BB3BA15FA}"/>
+                <a16:creationId xmlns:a16="http://schemas.microsoft.com/office/drawing/2014/main" id="{FC95B7DC-8108-C6F0-AAF3-428D53447776}"/>
               </a:ext>
             </a:extLst>
           </p:cNvPr>
@@ -236,7 +236,7 @@
           <p:cNvPr id="4" name="日期占位符 3">
             <a:extLst>
               <a:ext uri="{FF2B5EF4-FFF2-40B4-BE49-F238E27FC236}">
-                <a16:creationId xmlns:a16="http://schemas.microsoft.com/office/drawing/2014/main" id="{F4C347B4-850F-5298-7F9F-6671A3413E6D}"/>
+                <a16:creationId xmlns:a16="http://schemas.microsoft.com/office/drawing/2014/main" id="{FFE721CA-0826-159F-BDC2-920AE5A7BBAA}"/>
               </a:ext>
             </a:extLst>
           </p:cNvPr>
@@ -252,7 +252,7 @@
           <a:bodyPr/>
           <a:lstStyle/>
           <a:p>
-            <a:fld id="{DE7D6274-E219-4413-B113-61CE37A465F4}" type="datetimeFigureOut">
+            <a:fld id="{B97BEA0E-FD1E-46F4-A39A-08510B2075C6}" type="datetimeFigureOut">
               <a:rPr lang="zh-CN" altLang="en-US" smtClean="0"/>
               <a:t>2024/3/10</a:t>
             </a:fld>
@@ -265,7 +265,7 @@
           <p:cNvPr id="5" name="页脚占位符 4">
             <a:extLst>
               <a:ext uri="{FF2B5EF4-FFF2-40B4-BE49-F238E27FC236}">
-                <a16:creationId xmlns:a16="http://schemas.microsoft.com/office/drawing/2014/main" id="{9A28D925-48A9-D63B-1D95-2B0830ACDB72}"/>
+                <a16:creationId xmlns:a16="http://schemas.microsoft.com/office/drawing/2014/main" id="{C296BB3C-934A-F7D7-8D43-BAC508BAB8E7}"/>
               </a:ext>
             </a:extLst>
           </p:cNvPr>
@@ -290,7 +290,7 @@
           <p:cNvPr id="6" name="灯片编号占位符 5">
             <a:extLst>
               <a:ext uri="{FF2B5EF4-FFF2-40B4-BE49-F238E27FC236}">
-                <a16:creationId xmlns:a16="http://schemas.microsoft.com/office/drawing/2014/main" id="{1FD967E1-58E8-8FFD-8D47-59323B7C9F4D}"/>
+                <a16:creationId xmlns:a16="http://schemas.microsoft.com/office/drawing/2014/main" id="{4A862C8C-FC75-171D-109E-99614E42C74C}"/>
               </a:ext>
             </a:extLst>
           </p:cNvPr>
@@ -306,7 +306,7 @@
           <a:bodyPr/>
           <a:lstStyle/>
           <a:p>
-            <a:fld id="{B5DC5A19-3E74-4999-8C62-E3D8E36A9D81}" type="slidenum">
+            <a:fld id="{03F2080F-994E-4936-89F9-9A754D33837F}" type="slidenum">
               <a:rPr lang="zh-CN" altLang="en-US" smtClean="0"/>
               <a:t>‹#›</a:t>
             </a:fld>
@@ -317,7 +317,7 @@
     </p:spTree>
     <p:extLst>
       <p:ext uri="{BB962C8B-B14F-4D97-AF65-F5344CB8AC3E}">
-        <p14:creationId xmlns:p14="http://schemas.microsoft.com/office/powerpoint/2010/main" val="2183792583"/>
+        <p14:creationId xmlns:p14="http://schemas.microsoft.com/office/powerpoint/2010/main" val="3631106105"/>
       </p:ext>
     </p:extLst>
   </p:cSld>
@@ -349,7 +349,7 @@
           <p:cNvPr id="2" name="标题 1">
             <a:extLst>
               <a:ext uri="{FF2B5EF4-FFF2-40B4-BE49-F238E27FC236}">
-                <a16:creationId xmlns:a16="http://schemas.microsoft.com/office/drawing/2014/main" id="{9893AF9C-FCD4-737A-0FA4-84471B2B2D42}"/>
+                <a16:creationId xmlns:a16="http://schemas.microsoft.com/office/drawing/2014/main" id="{7A38189E-8309-6FEC-88F6-736A155AB127}"/>
               </a:ext>
             </a:extLst>
           </p:cNvPr>
@@ -377,7 +377,7 @@
           <p:cNvPr id="3" name="竖排文字占位符 2">
             <a:extLst>
               <a:ext uri="{FF2B5EF4-FFF2-40B4-BE49-F238E27FC236}">
-                <a16:creationId xmlns:a16="http://schemas.microsoft.com/office/drawing/2014/main" id="{A81EA1FA-D5E0-FD44-947B-6567D5F02FE4}"/>
+                <a16:creationId xmlns:a16="http://schemas.microsoft.com/office/drawing/2014/main" id="{60E38860-C69A-5366-39E7-B2D170E8FD22}"/>
               </a:ext>
             </a:extLst>
           </p:cNvPr>
@@ -434,7 +434,7 @@
           <p:cNvPr id="4" name="日期占位符 3">
             <a:extLst>
               <a:ext uri="{FF2B5EF4-FFF2-40B4-BE49-F238E27FC236}">
-                <a16:creationId xmlns:a16="http://schemas.microsoft.com/office/drawing/2014/main" id="{A63885B6-B65C-A70D-5B70-F21E65436F48}"/>
+                <a16:creationId xmlns:a16="http://schemas.microsoft.com/office/drawing/2014/main" id="{CAF1A4A2-5B80-A58F-7A13-FDF3A9271B66}"/>
               </a:ext>
             </a:extLst>
           </p:cNvPr>
@@ -450,7 +450,7 @@
           <a:bodyPr/>
           <a:lstStyle/>
           <a:p>
-            <a:fld id="{DE7D6274-E219-4413-B113-61CE37A465F4}" type="datetimeFigureOut">
+            <a:fld id="{B97BEA0E-FD1E-46F4-A39A-08510B2075C6}" type="datetimeFigureOut">
               <a:rPr lang="zh-CN" altLang="en-US" smtClean="0"/>
               <a:t>2024/3/10</a:t>
             </a:fld>
@@ -463,7 +463,7 @@
           <p:cNvPr id="5" name="页脚占位符 4">
             <a:extLst>
               <a:ext uri="{FF2B5EF4-FFF2-40B4-BE49-F238E27FC236}">
-                <a16:creationId xmlns:a16="http://schemas.microsoft.com/office/drawing/2014/main" id="{7F9C3FBF-439D-D567-5C64-94A2359BC8FD}"/>
+                <a16:creationId xmlns:a16="http://schemas.microsoft.com/office/drawing/2014/main" id="{FEC5007D-BF46-7C7B-2278-379CC80E77E7}"/>
               </a:ext>
             </a:extLst>
           </p:cNvPr>
@@ -488,7 +488,7 @@
           <p:cNvPr id="6" name="灯片编号占位符 5">
             <a:extLst>
               <a:ext uri="{FF2B5EF4-FFF2-40B4-BE49-F238E27FC236}">
-                <a16:creationId xmlns:a16="http://schemas.microsoft.com/office/drawing/2014/main" id="{81D732FB-C823-8EDF-FB5C-8CC9802EF956}"/>
+                <a16:creationId xmlns:a16="http://schemas.microsoft.com/office/drawing/2014/main" id="{DC5A40F4-8F97-A67F-56FF-76A10AFB31F5}"/>
               </a:ext>
             </a:extLst>
           </p:cNvPr>
@@ -504,7 +504,7 @@
           <a:bodyPr/>
           <a:lstStyle/>
           <a:p>
-            <a:fld id="{B5DC5A19-3E74-4999-8C62-E3D8E36A9D81}" type="slidenum">
+            <a:fld id="{03F2080F-994E-4936-89F9-9A754D33837F}" type="slidenum">
               <a:rPr lang="zh-CN" altLang="en-US" smtClean="0"/>
               <a:t>‹#›</a:t>
             </a:fld>
@@ -515,7 +515,7 @@
     </p:spTree>
     <p:extLst>
       <p:ext uri="{BB962C8B-B14F-4D97-AF65-F5344CB8AC3E}">
-        <p14:creationId xmlns:p14="http://schemas.microsoft.com/office/powerpoint/2010/main" val="519314209"/>
+        <p14:creationId xmlns:p14="http://schemas.microsoft.com/office/powerpoint/2010/main" val="2812660937"/>
       </p:ext>
     </p:extLst>
   </p:cSld>
@@ -547,7 +547,7 @@
           <p:cNvPr id="2" name="竖排标题 1">
             <a:extLst>
               <a:ext uri="{FF2B5EF4-FFF2-40B4-BE49-F238E27FC236}">
-                <a16:creationId xmlns:a16="http://schemas.microsoft.com/office/drawing/2014/main" id="{6F56EAFF-254D-1128-D09A-AF15FC9363E9}"/>
+                <a16:creationId xmlns:a16="http://schemas.microsoft.com/office/drawing/2014/main" id="{DB422030-B988-DFA4-1EBB-635336D45B47}"/>
               </a:ext>
             </a:extLst>
           </p:cNvPr>
@@ -580,7 +580,7 @@
           <p:cNvPr id="3" name="竖排文字占位符 2">
             <a:extLst>
               <a:ext uri="{FF2B5EF4-FFF2-40B4-BE49-F238E27FC236}">
-                <a16:creationId xmlns:a16="http://schemas.microsoft.com/office/drawing/2014/main" id="{3E5449E1-B782-4570-9207-81E02C37E59B}"/>
+                <a16:creationId xmlns:a16="http://schemas.microsoft.com/office/drawing/2014/main" id="{41177375-DA8A-0504-B5FE-8CA3E66CBA2B}"/>
               </a:ext>
             </a:extLst>
           </p:cNvPr>
@@ -642,7 +642,7 @@
           <p:cNvPr id="4" name="日期占位符 3">
             <a:extLst>
               <a:ext uri="{FF2B5EF4-FFF2-40B4-BE49-F238E27FC236}">
-                <a16:creationId xmlns:a16="http://schemas.microsoft.com/office/drawing/2014/main" id="{BE3F8A01-229C-26F4-1CCE-9B7CC8DDF4D3}"/>
+                <a16:creationId xmlns:a16="http://schemas.microsoft.com/office/drawing/2014/main" id="{40238781-D48E-B410-FC9E-3BB35D34228C}"/>
               </a:ext>
             </a:extLst>
           </p:cNvPr>
@@ -658,7 +658,7 @@
           <a:bodyPr/>
           <a:lstStyle/>
           <a:p>
-            <a:fld id="{DE7D6274-E219-4413-B113-61CE37A465F4}" type="datetimeFigureOut">
+            <a:fld id="{B97BEA0E-FD1E-46F4-A39A-08510B2075C6}" type="datetimeFigureOut">
               <a:rPr lang="zh-CN" altLang="en-US" smtClean="0"/>
               <a:t>2024/3/10</a:t>
             </a:fld>
@@ -671,7 +671,7 @@
           <p:cNvPr id="5" name="页脚占位符 4">
             <a:extLst>
               <a:ext uri="{FF2B5EF4-FFF2-40B4-BE49-F238E27FC236}">
-                <a16:creationId xmlns:a16="http://schemas.microsoft.com/office/drawing/2014/main" id="{93B624F5-5835-20F2-D227-966869204E81}"/>
+                <a16:creationId xmlns:a16="http://schemas.microsoft.com/office/drawing/2014/main" id="{3DBD2169-3F92-FEE7-08B7-F19FB425E8D9}"/>
               </a:ext>
             </a:extLst>
           </p:cNvPr>
@@ -696,7 +696,7 @@
           <p:cNvPr id="6" name="灯片编号占位符 5">
             <a:extLst>
               <a:ext uri="{FF2B5EF4-FFF2-40B4-BE49-F238E27FC236}">
-                <a16:creationId xmlns:a16="http://schemas.microsoft.com/office/drawing/2014/main" id="{D45B6190-8A51-17FD-6218-F0017DC48288}"/>
+                <a16:creationId xmlns:a16="http://schemas.microsoft.com/office/drawing/2014/main" id="{EC37001F-474E-BC15-B480-05C02D8A0E04}"/>
               </a:ext>
             </a:extLst>
           </p:cNvPr>
@@ -712,7 +712,7 @@
           <a:bodyPr/>
           <a:lstStyle/>
           <a:p>
-            <a:fld id="{B5DC5A19-3E74-4999-8C62-E3D8E36A9D81}" type="slidenum">
+            <a:fld id="{03F2080F-994E-4936-89F9-9A754D33837F}" type="slidenum">
               <a:rPr lang="zh-CN" altLang="en-US" smtClean="0"/>
               <a:t>‹#›</a:t>
             </a:fld>
@@ -723,7 +723,7 @@
     </p:spTree>
     <p:extLst>
       <p:ext uri="{BB962C8B-B14F-4D97-AF65-F5344CB8AC3E}">
-        <p14:creationId xmlns:p14="http://schemas.microsoft.com/office/powerpoint/2010/main" val="3178005889"/>
+        <p14:creationId xmlns:p14="http://schemas.microsoft.com/office/powerpoint/2010/main" val="443120220"/>
       </p:ext>
     </p:extLst>
   </p:cSld>
@@ -755,7 +755,7 @@
           <p:cNvPr id="2" name="标题 1">
             <a:extLst>
               <a:ext uri="{FF2B5EF4-FFF2-40B4-BE49-F238E27FC236}">
-                <a16:creationId xmlns:a16="http://schemas.microsoft.com/office/drawing/2014/main" id="{48D2A08A-F5B2-08AD-182A-1C54CA2CAC81}"/>
+                <a16:creationId xmlns:a16="http://schemas.microsoft.com/office/drawing/2014/main" id="{E72CA8EE-DBE1-9A25-27D5-AEC59C61C682}"/>
               </a:ext>
             </a:extLst>
           </p:cNvPr>
@@ -783,7 +783,7 @@
           <p:cNvPr id="3" name="内容占位符 2">
             <a:extLst>
               <a:ext uri="{FF2B5EF4-FFF2-40B4-BE49-F238E27FC236}">
-                <a16:creationId xmlns:a16="http://schemas.microsoft.com/office/drawing/2014/main" id="{33F28773-CB07-207C-3D89-8EF1F1A9CE4E}"/>
+                <a16:creationId xmlns:a16="http://schemas.microsoft.com/office/drawing/2014/main" id="{5A693A61-9CBA-AF92-649C-2C9E8FF0CA8F}"/>
               </a:ext>
             </a:extLst>
           </p:cNvPr>
@@ -840,7 +840,7 @@
           <p:cNvPr id="4" name="日期占位符 3">
             <a:extLst>
               <a:ext uri="{FF2B5EF4-FFF2-40B4-BE49-F238E27FC236}">
-                <a16:creationId xmlns:a16="http://schemas.microsoft.com/office/drawing/2014/main" id="{AE644286-E200-D986-DFDA-F0E43571D459}"/>
+                <a16:creationId xmlns:a16="http://schemas.microsoft.com/office/drawing/2014/main" id="{8DC68A00-56E4-B00F-7F0A-E903B6B2C244}"/>
               </a:ext>
             </a:extLst>
           </p:cNvPr>
@@ -856,7 +856,7 @@
           <a:bodyPr/>
           <a:lstStyle/>
           <a:p>
-            <a:fld id="{DE7D6274-E219-4413-B113-61CE37A465F4}" type="datetimeFigureOut">
+            <a:fld id="{B97BEA0E-FD1E-46F4-A39A-08510B2075C6}" type="datetimeFigureOut">
               <a:rPr lang="zh-CN" altLang="en-US" smtClean="0"/>
               <a:t>2024/3/10</a:t>
             </a:fld>
@@ -869,7 +869,7 @@
           <p:cNvPr id="5" name="页脚占位符 4">
             <a:extLst>
               <a:ext uri="{FF2B5EF4-FFF2-40B4-BE49-F238E27FC236}">
-                <a16:creationId xmlns:a16="http://schemas.microsoft.com/office/drawing/2014/main" id="{834BE698-3515-623A-B542-1DBB49C24102}"/>
+                <a16:creationId xmlns:a16="http://schemas.microsoft.com/office/drawing/2014/main" id="{19276CC4-946A-768E-F8D0-F122359344B3}"/>
               </a:ext>
             </a:extLst>
           </p:cNvPr>
@@ -894,7 +894,7 @@
           <p:cNvPr id="6" name="灯片编号占位符 5">
             <a:extLst>
               <a:ext uri="{FF2B5EF4-FFF2-40B4-BE49-F238E27FC236}">
-                <a16:creationId xmlns:a16="http://schemas.microsoft.com/office/drawing/2014/main" id="{9AD84CD9-F689-735C-2A14-F4129AA54AE5}"/>
+                <a16:creationId xmlns:a16="http://schemas.microsoft.com/office/drawing/2014/main" id="{CEB00986-F898-7C4F-98B4-3AB096968CE8}"/>
               </a:ext>
             </a:extLst>
           </p:cNvPr>
@@ -910,7 +910,7 @@
           <a:bodyPr/>
           <a:lstStyle/>
           <a:p>
-            <a:fld id="{B5DC5A19-3E74-4999-8C62-E3D8E36A9D81}" type="slidenum">
+            <a:fld id="{03F2080F-994E-4936-89F9-9A754D33837F}" type="slidenum">
               <a:rPr lang="zh-CN" altLang="en-US" smtClean="0"/>
               <a:t>‹#›</a:t>
             </a:fld>
@@ -921,7 +921,7 @@
     </p:spTree>
     <p:extLst>
       <p:ext uri="{BB962C8B-B14F-4D97-AF65-F5344CB8AC3E}">
-        <p14:creationId xmlns:p14="http://schemas.microsoft.com/office/powerpoint/2010/main" val="1256459449"/>
+        <p14:creationId xmlns:p14="http://schemas.microsoft.com/office/powerpoint/2010/main" val="2070607591"/>
       </p:ext>
     </p:extLst>
   </p:cSld>
@@ -953,7 +953,7 @@
           <p:cNvPr id="2" name="标题 1">
             <a:extLst>
               <a:ext uri="{FF2B5EF4-FFF2-40B4-BE49-F238E27FC236}">
-                <a16:creationId xmlns:a16="http://schemas.microsoft.com/office/drawing/2014/main" id="{A0C150F1-4645-5A3F-D290-CFAF036EE20A}"/>
+                <a16:creationId xmlns:a16="http://schemas.microsoft.com/office/drawing/2014/main" id="{70E4D23A-C656-F2B5-B357-DBD347F676C8}"/>
               </a:ext>
             </a:extLst>
           </p:cNvPr>
@@ -990,7 +990,7 @@
           <p:cNvPr id="3" name="文本占位符 2">
             <a:extLst>
               <a:ext uri="{FF2B5EF4-FFF2-40B4-BE49-F238E27FC236}">
-                <a16:creationId xmlns:a16="http://schemas.microsoft.com/office/drawing/2014/main" id="{2423F70A-F00E-CCE5-D383-768252969BF4}"/>
+                <a16:creationId xmlns:a16="http://schemas.microsoft.com/office/drawing/2014/main" id="{40DEF214-9452-219B-BF58-7B17EA5247A7}"/>
               </a:ext>
             </a:extLst>
           </p:cNvPr>
@@ -1115,7 +1115,7 @@
           <p:cNvPr id="4" name="日期占位符 3">
             <a:extLst>
               <a:ext uri="{FF2B5EF4-FFF2-40B4-BE49-F238E27FC236}">
-                <a16:creationId xmlns:a16="http://schemas.microsoft.com/office/drawing/2014/main" id="{85F0306E-DCCD-71AB-73A8-9A7727B14297}"/>
+                <a16:creationId xmlns:a16="http://schemas.microsoft.com/office/drawing/2014/main" id="{D7F26352-1EEB-F5DE-28B0-172036255AA2}"/>
               </a:ext>
             </a:extLst>
           </p:cNvPr>
@@ -1131,7 +1131,7 @@
           <a:bodyPr/>
           <a:lstStyle/>
           <a:p>
-            <a:fld id="{DE7D6274-E219-4413-B113-61CE37A465F4}" type="datetimeFigureOut">
+            <a:fld id="{B97BEA0E-FD1E-46F4-A39A-08510B2075C6}" type="datetimeFigureOut">
               <a:rPr lang="zh-CN" altLang="en-US" smtClean="0"/>
               <a:t>2024/3/10</a:t>
             </a:fld>
@@ -1144,7 +1144,7 @@
           <p:cNvPr id="5" name="页脚占位符 4">
             <a:extLst>
               <a:ext uri="{FF2B5EF4-FFF2-40B4-BE49-F238E27FC236}">
-                <a16:creationId xmlns:a16="http://schemas.microsoft.com/office/drawing/2014/main" id="{C9D91C0F-8168-AF71-CCC9-F97D120DDF0A}"/>
+                <a16:creationId xmlns:a16="http://schemas.microsoft.com/office/drawing/2014/main" id="{42EE82C2-D4C9-7923-9A46-F57066D977BF}"/>
               </a:ext>
             </a:extLst>
           </p:cNvPr>
@@ -1169,7 +1169,7 @@
           <p:cNvPr id="6" name="灯片编号占位符 5">
             <a:extLst>
               <a:ext uri="{FF2B5EF4-FFF2-40B4-BE49-F238E27FC236}">
-                <a16:creationId xmlns:a16="http://schemas.microsoft.com/office/drawing/2014/main" id="{339F1A8A-EE25-FFD5-80CA-FB2F89B0DE07}"/>
+                <a16:creationId xmlns:a16="http://schemas.microsoft.com/office/drawing/2014/main" id="{84307171-FA0A-5242-B1FC-6382E0C5A06B}"/>
               </a:ext>
             </a:extLst>
           </p:cNvPr>
@@ -1185,7 +1185,7 @@
           <a:bodyPr/>
           <a:lstStyle/>
           <a:p>
-            <a:fld id="{B5DC5A19-3E74-4999-8C62-E3D8E36A9D81}" type="slidenum">
+            <a:fld id="{03F2080F-994E-4936-89F9-9A754D33837F}" type="slidenum">
               <a:rPr lang="zh-CN" altLang="en-US" smtClean="0"/>
               <a:t>‹#›</a:t>
             </a:fld>
@@ -1196,7 +1196,7 @@
     </p:spTree>
     <p:extLst>
       <p:ext uri="{BB962C8B-B14F-4D97-AF65-F5344CB8AC3E}">
-        <p14:creationId xmlns:p14="http://schemas.microsoft.com/office/powerpoint/2010/main" val="1894333173"/>
+        <p14:creationId xmlns:p14="http://schemas.microsoft.com/office/powerpoint/2010/main" val="4156762510"/>
       </p:ext>
     </p:extLst>
   </p:cSld>
@@ -1228,7 +1228,7 @@
           <p:cNvPr id="2" name="标题 1">
             <a:extLst>
               <a:ext uri="{FF2B5EF4-FFF2-40B4-BE49-F238E27FC236}">
-                <a16:creationId xmlns:a16="http://schemas.microsoft.com/office/drawing/2014/main" id="{D1FB21EA-D195-BA02-62D9-AEA009329A2A}"/>
+                <a16:creationId xmlns:a16="http://schemas.microsoft.com/office/drawing/2014/main" id="{8ECA79DB-3826-D59C-6A42-C897340AD038}"/>
               </a:ext>
             </a:extLst>
           </p:cNvPr>
@@ -1256,7 +1256,7 @@
           <p:cNvPr id="3" name="内容占位符 2">
             <a:extLst>
               <a:ext uri="{FF2B5EF4-FFF2-40B4-BE49-F238E27FC236}">
-                <a16:creationId xmlns:a16="http://schemas.microsoft.com/office/drawing/2014/main" id="{37E2CAC3-0E4C-777E-F6D8-3670D881A5BE}"/>
+                <a16:creationId xmlns:a16="http://schemas.microsoft.com/office/drawing/2014/main" id="{51985000-B220-847D-E2D7-9C6367FDF213}"/>
               </a:ext>
             </a:extLst>
           </p:cNvPr>
@@ -1318,7 +1318,7 @@
           <p:cNvPr id="4" name="内容占位符 3">
             <a:extLst>
               <a:ext uri="{FF2B5EF4-FFF2-40B4-BE49-F238E27FC236}">
-                <a16:creationId xmlns:a16="http://schemas.microsoft.com/office/drawing/2014/main" id="{D4B4B79F-7228-51E2-8B03-C9D74A59106B}"/>
+                <a16:creationId xmlns:a16="http://schemas.microsoft.com/office/drawing/2014/main" id="{04AD9841-9D4A-906B-D0ED-1845FDCDB0B0}"/>
               </a:ext>
             </a:extLst>
           </p:cNvPr>
@@ -1380,7 +1380,7 @@
           <p:cNvPr id="5" name="日期占位符 4">
             <a:extLst>
               <a:ext uri="{FF2B5EF4-FFF2-40B4-BE49-F238E27FC236}">
-                <a16:creationId xmlns:a16="http://schemas.microsoft.com/office/drawing/2014/main" id="{23370D04-0662-2911-5DC9-1BDA8DBE9A8C}"/>
+                <a16:creationId xmlns:a16="http://schemas.microsoft.com/office/drawing/2014/main" id="{485B5F44-2775-A15B-DCDE-C12E20D13742}"/>
               </a:ext>
             </a:extLst>
           </p:cNvPr>
@@ -1396,7 +1396,7 @@
           <a:bodyPr/>
           <a:lstStyle/>
           <a:p>
-            <a:fld id="{DE7D6274-E219-4413-B113-61CE37A465F4}" type="datetimeFigureOut">
+            <a:fld id="{B97BEA0E-FD1E-46F4-A39A-08510B2075C6}" type="datetimeFigureOut">
               <a:rPr lang="zh-CN" altLang="en-US" smtClean="0"/>
               <a:t>2024/3/10</a:t>
             </a:fld>
@@ -1409,7 +1409,7 @@
           <p:cNvPr id="6" name="页脚占位符 5">
             <a:extLst>
               <a:ext uri="{FF2B5EF4-FFF2-40B4-BE49-F238E27FC236}">
-                <a16:creationId xmlns:a16="http://schemas.microsoft.com/office/drawing/2014/main" id="{F47A1324-2ABF-9DF6-0CDC-F11CE8C99F70}"/>
+                <a16:creationId xmlns:a16="http://schemas.microsoft.com/office/drawing/2014/main" id="{2A5F8E71-29B9-3355-C9CA-A17D1D5CB822}"/>
               </a:ext>
             </a:extLst>
           </p:cNvPr>
@@ -1434,7 +1434,7 @@
           <p:cNvPr id="7" name="灯片编号占位符 6">
             <a:extLst>
               <a:ext uri="{FF2B5EF4-FFF2-40B4-BE49-F238E27FC236}">
-                <a16:creationId xmlns:a16="http://schemas.microsoft.com/office/drawing/2014/main" id="{D9D9A0D6-564D-3F48-C51E-AFD3893BDDBD}"/>
+                <a16:creationId xmlns:a16="http://schemas.microsoft.com/office/drawing/2014/main" id="{FFD25E54-7310-4212-7A24-02F64F7DD262}"/>
               </a:ext>
             </a:extLst>
           </p:cNvPr>
@@ -1450,7 +1450,7 @@
           <a:bodyPr/>
           <a:lstStyle/>
           <a:p>
-            <a:fld id="{B5DC5A19-3E74-4999-8C62-E3D8E36A9D81}" type="slidenum">
+            <a:fld id="{03F2080F-994E-4936-89F9-9A754D33837F}" type="slidenum">
               <a:rPr lang="zh-CN" altLang="en-US" smtClean="0"/>
               <a:t>‹#›</a:t>
             </a:fld>
@@ -1461,7 +1461,7 @@
     </p:spTree>
     <p:extLst>
       <p:ext uri="{BB962C8B-B14F-4D97-AF65-F5344CB8AC3E}">
-        <p14:creationId xmlns:p14="http://schemas.microsoft.com/office/powerpoint/2010/main" val="2484484409"/>
+        <p14:creationId xmlns:p14="http://schemas.microsoft.com/office/powerpoint/2010/main" val="1345904043"/>
       </p:ext>
     </p:extLst>
   </p:cSld>
@@ -1493,7 +1493,7 @@
           <p:cNvPr id="2" name="标题 1">
             <a:extLst>
               <a:ext uri="{FF2B5EF4-FFF2-40B4-BE49-F238E27FC236}">
-                <a16:creationId xmlns:a16="http://schemas.microsoft.com/office/drawing/2014/main" id="{C988278B-60FA-2506-7D64-F226239DA104}"/>
+                <a16:creationId xmlns:a16="http://schemas.microsoft.com/office/drawing/2014/main" id="{3B5AE650-6FB0-C43B-B3F3-B36632AC64D5}"/>
               </a:ext>
             </a:extLst>
           </p:cNvPr>
@@ -1526,7 +1526,7 @@
           <p:cNvPr id="3" name="文本占位符 2">
             <a:extLst>
               <a:ext uri="{FF2B5EF4-FFF2-40B4-BE49-F238E27FC236}">
-                <a16:creationId xmlns:a16="http://schemas.microsoft.com/office/drawing/2014/main" id="{41EA2E5D-EE16-9F7E-648B-A1BE3A129B54}"/>
+                <a16:creationId xmlns:a16="http://schemas.microsoft.com/office/drawing/2014/main" id="{705443A4-0289-A3E5-92EC-B3F2F252CB05}"/>
               </a:ext>
             </a:extLst>
           </p:cNvPr>
@@ -1597,7 +1597,7 @@
           <p:cNvPr id="4" name="内容占位符 3">
             <a:extLst>
               <a:ext uri="{FF2B5EF4-FFF2-40B4-BE49-F238E27FC236}">
-                <a16:creationId xmlns:a16="http://schemas.microsoft.com/office/drawing/2014/main" id="{E879A742-8B7A-0CDB-D94E-B7D86D20DF2A}"/>
+                <a16:creationId xmlns:a16="http://schemas.microsoft.com/office/drawing/2014/main" id="{912319EE-8929-1843-CC3E-F5888EB3FCBA}"/>
               </a:ext>
             </a:extLst>
           </p:cNvPr>
@@ -1659,7 +1659,7 @@
           <p:cNvPr id="5" name="文本占位符 4">
             <a:extLst>
               <a:ext uri="{FF2B5EF4-FFF2-40B4-BE49-F238E27FC236}">
-                <a16:creationId xmlns:a16="http://schemas.microsoft.com/office/drawing/2014/main" id="{1BC6F52A-B8DB-D3A0-8B73-4388A312D70E}"/>
+                <a16:creationId xmlns:a16="http://schemas.microsoft.com/office/drawing/2014/main" id="{C0322345-0642-3296-1AA7-4088C9DB7B33}"/>
               </a:ext>
             </a:extLst>
           </p:cNvPr>
@@ -1730,7 +1730,7 @@
           <p:cNvPr id="6" name="内容占位符 5">
             <a:extLst>
               <a:ext uri="{FF2B5EF4-FFF2-40B4-BE49-F238E27FC236}">
-                <a16:creationId xmlns:a16="http://schemas.microsoft.com/office/drawing/2014/main" id="{B18D7907-1A90-B5E4-63FE-6AAB16718E42}"/>
+                <a16:creationId xmlns:a16="http://schemas.microsoft.com/office/drawing/2014/main" id="{06421679-2444-B86C-2B7D-699746EBC953}"/>
               </a:ext>
             </a:extLst>
           </p:cNvPr>
@@ -1792,7 +1792,7 @@
           <p:cNvPr id="7" name="日期占位符 6">
             <a:extLst>
               <a:ext uri="{FF2B5EF4-FFF2-40B4-BE49-F238E27FC236}">
-                <a16:creationId xmlns:a16="http://schemas.microsoft.com/office/drawing/2014/main" id="{82279A45-EAD2-68C8-596F-5A9FD79A57F9}"/>
+                <a16:creationId xmlns:a16="http://schemas.microsoft.com/office/drawing/2014/main" id="{DC99FCC8-9FE1-B45F-F058-86F81C508035}"/>
               </a:ext>
             </a:extLst>
           </p:cNvPr>
@@ -1808,7 +1808,7 @@
           <a:bodyPr/>
           <a:lstStyle/>
           <a:p>
-            <a:fld id="{DE7D6274-E219-4413-B113-61CE37A465F4}" type="datetimeFigureOut">
+            <a:fld id="{B97BEA0E-FD1E-46F4-A39A-08510B2075C6}" type="datetimeFigureOut">
               <a:rPr lang="zh-CN" altLang="en-US" smtClean="0"/>
               <a:t>2024/3/10</a:t>
             </a:fld>
@@ -1821,7 +1821,7 @@
           <p:cNvPr id="8" name="页脚占位符 7">
             <a:extLst>
               <a:ext uri="{FF2B5EF4-FFF2-40B4-BE49-F238E27FC236}">
-                <a16:creationId xmlns:a16="http://schemas.microsoft.com/office/drawing/2014/main" id="{1830BDD9-2587-57E9-E8A2-2D07994D5292}"/>
+                <a16:creationId xmlns:a16="http://schemas.microsoft.com/office/drawing/2014/main" id="{6DD6E3D8-2971-C7A5-2AA6-DCD56ED811C6}"/>
               </a:ext>
             </a:extLst>
           </p:cNvPr>
@@ -1846,7 +1846,7 @@
           <p:cNvPr id="9" name="灯片编号占位符 8">
             <a:extLst>
               <a:ext uri="{FF2B5EF4-FFF2-40B4-BE49-F238E27FC236}">
-                <a16:creationId xmlns:a16="http://schemas.microsoft.com/office/drawing/2014/main" id="{861EAC67-5003-2E17-5FAB-7F4876CECCB2}"/>
+                <a16:creationId xmlns:a16="http://schemas.microsoft.com/office/drawing/2014/main" id="{5AA33B87-2299-6C2D-168E-1E1704531533}"/>
               </a:ext>
             </a:extLst>
           </p:cNvPr>
@@ -1862,7 +1862,7 @@
           <a:bodyPr/>
           <a:lstStyle/>
           <a:p>
-            <a:fld id="{B5DC5A19-3E74-4999-8C62-E3D8E36A9D81}" type="slidenum">
+            <a:fld id="{03F2080F-994E-4936-89F9-9A754D33837F}" type="slidenum">
               <a:rPr lang="zh-CN" altLang="en-US" smtClean="0"/>
               <a:t>‹#›</a:t>
             </a:fld>
@@ -1873,7 +1873,7 @@
     </p:spTree>
     <p:extLst>
       <p:ext uri="{BB962C8B-B14F-4D97-AF65-F5344CB8AC3E}">
-        <p14:creationId xmlns:p14="http://schemas.microsoft.com/office/powerpoint/2010/main" val="1261239258"/>
+        <p14:creationId xmlns:p14="http://schemas.microsoft.com/office/powerpoint/2010/main" val="2404831282"/>
       </p:ext>
     </p:extLst>
   </p:cSld>
@@ -1905,7 +1905,7 @@
           <p:cNvPr id="2" name="标题 1">
             <a:extLst>
               <a:ext uri="{FF2B5EF4-FFF2-40B4-BE49-F238E27FC236}">
-                <a16:creationId xmlns:a16="http://schemas.microsoft.com/office/drawing/2014/main" id="{DF47120F-D3EC-BA58-57BC-D7939FBD315A}"/>
+                <a16:creationId xmlns:a16="http://schemas.microsoft.com/office/drawing/2014/main" id="{F147EDAB-6B3B-D171-E3E6-A6A03B44C3C5}"/>
               </a:ext>
             </a:extLst>
           </p:cNvPr>
@@ -1933,7 +1933,7 @@
           <p:cNvPr id="3" name="日期占位符 2">
             <a:extLst>
               <a:ext uri="{FF2B5EF4-FFF2-40B4-BE49-F238E27FC236}">
-                <a16:creationId xmlns:a16="http://schemas.microsoft.com/office/drawing/2014/main" id="{52E664F3-FF75-0812-462D-3A4E915B586F}"/>
+                <a16:creationId xmlns:a16="http://schemas.microsoft.com/office/drawing/2014/main" id="{498982CC-D125-B4AF-4506-83B75BE74BDF}"/>
               </a:ext>
             </a:extLst>
           </p:cNvPr>
@@ -1949,7 +1949,7 @@
           <a:bodyPr/>
           <a:lstStyle/>
           <a:p>
-            <a:fld id="{DE7D6274-E219-4413-B113-61CE37A465F4}" type="datetimeFigureOut">
+            <a:fld id="{B97BEA0E-FD1E-46F4-A39A-08510B2075C6}" type="datetimeFigureOut">
               <a:rPr lang="zh-CN" altLang="en-US" smtClean="0"/>
               <a:t>2024/3/10</a:t>
             </a:fld>
@@ -1962,7 +1962,7 @@
           <p:cNvPr id="4" name="页脚占位符 3">
             <a:extLst>
               <a:ext uri="{FF2B5EF4-FFF2-40B4-BE49-F238E27FC236}">
-                <a16:creationId xmlns:a16="http://schemas.microsoft.com/office/drawing/2014/main" id="{991E16F2-E51A-91AE-2A57-590B9DA79442}"/>
+                <a16:creationId xmlns:a16="http://schemas.microsoft.com/office/drawing/2014/main" id="{8099B209-E823-83F8-7870-47EE6709BE64}"/>
               </a:ext>
             </a:extLst>
           </p:cNvPr>
@@ -1987,7 +1987,7 @@
           <p:cNvPr id="5" name="灯片编号占位符 4">
             <a:extLst>
               <a:ext uri="{FF2B5EF4-FFF2-40B4-BE49-F238E27FC236}">
-                <a16:creationId xmlns:a16="http://schemas.microsoft.com/office/drawing/2014/main" id="{DFAC2520-CADC-29DB-FA12-6E48F403BF31}"/>
+                <a16:creationId xmlns:a16="http://schemas.microsoft.com/office/drawing/2014/main" id="{B5A60578-8792-874A-A6CD-1963349BCB3B}"/>
               </a:ext>
             </a:extLst>
           </p:cNvPr>
@@ -2003,7 +2003,7 @@
           <a:bodyPr/>
           <a:lstStyle/>
           <a:p>
-            <a:fld id="{B5DC5A19-3E74-4999-8C62-E3D8E36A9D81}" type="slidenum">
+            <a:fld id="{03F2080F-994E-4936-89F9-9A754D33837F}" type="slidenum">
               <a:rPr lang="zh-CN" altLang="en-US" smtClean="0"/>
               <a:t>‹#›</a:t>
             </a:fld>
@@ -2014,7 +2014,7 @@
     </p:spTree>
     <p:extLst>
       <p:ext uri="{BB962C8B-B14F-4D97-AF65-F5344CB8AC3E}">
-        <p14:creationId xmlns:p14="http://schemas.microsoft.com/office/powerpoint/2010/main" val="2005671387"/>
+        <p14:creationId xmlns:p14="http://schemas.microsoft.com/office/powerpoint/2010/main" val="208131739"/>
       </p:ext>
     </p:extLst>
   </p:cSld>
@@ -2046,7 +2046,7 @@
           <p:cNvPr id="2" name="日期占位符 1">
             <a:extLst>
               <a:ext uri="{FF2B5EF4-FFF2-40B4-BE49-F238E27FC236}">
-                <a16:creationId xmlns:a16="http://schemas.microsoft.com/office/drawing/2014/main" id="{BBE52900-13DD-9247-E5D6-AF3CA0F921E7}"/>
+                <a16:creationId xmlns:a16="http://schemas.microsoft.com/office/drawing/2014/main" id="{C3D57444-B382-A9DE-7AE7-10A9B6E88884}"/>
               </a:ext>
             </a:extLst>
           </p:cNvPr>
@@ -2062,7 +2062,7 @@
           <a:bodyPr/>
           <a:lstStyle/>
           <a:p>
-            <a:fld id="{DE7D6274-E219-4413-B113-61CE37A465F4}" type="datetimeFigureOut">
+            <a:fld id="{B97BEA0E-FD1E-46F4-A39A-08510B2075C6}" type="datetimeFigureOut">
               <a:rPr lang="zh-CN" altLang="en-US" smtClean="0"/>
               <a:t>2024/3/10</a:t>
             </a:fld>
@@ -2075,7 +2075,7 @@
           <p:cNvPr id="3" name="页脚占位符 2">
             <a:extLst>
               <a:ext uri="{FF2B5EF4-FFF2-40B4-BE49-F238E27FC236}">
-                <a16:creationId xmlns:a16="http://schemas.microsoft.com/office/drawing/2014/main" id="{8C888B44-7E90-DC09-49BF-8F421D1EDF2E}"/>
+                <a16:creationId xmlns:a16="http://schemas.microsoft.com/office/drawing/2014/main" id="{E9ED4558-873A-BE56-99A6-688365F3BA12}"/>
               </a:ext>
             </a:extLst>
           </p:cNvPr>
@@ -2100,7 +2100,7 @@
           <p:cNvPr id="4" name="灯片编号占位符 3">
             <a:extLst>
               <a:ext uri="{FF2B5EF4-FFF2-40B4-BE49-F238E27FC236}">
-                <a16:creationId xmlns:a16="http://schemas.microsoft.com/office/drawing/2014/main" id="{FA6B1B1F-803D-CDFD-A397-773ADDCA53C0}"/>
+                <a16:creationId xmlns:a16="http://schemas.microsoft.com/office/drawing/2014/main" id="{FEB0FEA7-1FDB-2D70-6E54-B6C7E4EBD8BD}"/>
               </a:ext>
             </a:extLst>
           </p:cNvPr>
@@ -2116,7 +2116,7 @@
           <a:bodyPr/>
           <a:lstStyle/>
           <a:p>
-            <a:fld id="{B5DC5A19-3E74-4999-8C62-E3D8E36A9D81}" type="slidenum">
+            <a:fld id="{03F2080F-994E-4936-89F9-9A754D33837F}" type="slidenum">
               <a:rPr lang="zh-CN" altLang="en-US" smtClean="0"/>
               <a:t>‹#›</a:t>
             </a:fld>
@@ -2127,7 +2127,7 @@
     </p:spTree>
     <p:extLst>
       <p:ext uri="{BB962C8B-B14F-4D97-AF65-F5344CB8AC3E}">
-        <p14:creationId xmlns:p14="http://schemas.microsoft.com/office/powerpoint/2010/main" val="2973917929"/>
+        <p14:creationId xmlns:p14="http://schemas.microsoft.com/office/powerpoint/2010/main" val="3945103509"/>
       </p:ext>
     </p:extLst>
   </p:cSld>
@@ -2159,7 +2159,7 @@
           <p:cNvPr id="2" name="标题 1">
             <a:extLst>
               <a:ext uri="{FF2B5EF4-FFF2-40B4-BE49-F238E27FC236}">
-                <a16:creationId xmlns:a16="http://schemas.microsoft.com/office/drawing/2014/main" id="{E1848F60-9A0F-11E7-A075-2BCB97612F63}"/>
+                <a16:creationId xmlns:a16="http://schemas.microsoft.com/office/drawing/2014/main" id="{56FC9D70-28CF-956C-7CFB-B6EC481B1DA1}"/>
               </a:ext>
             </a:extLst>
           </p:cNvPr>
@@ -2196,7 +2196,7 @@
           <p:cNvPr id="3" name="内容占位符 2">
             <a:extLst>
               <a:ext uri="{FF2B5EF4-FFF2-40B4-BE49-F238E27FC236}">
-                <a16:creationId xmlns:a16="http://schemas.microsoft.com/office/drawing/2014/main" id="{A60B378E-C7D1-0190-54A4-6B7882F5D4E8}"/>
+                <a16:creationId xmlns:a16="http://schemas.microsoft.com/office/drawing/2014/main" id="{50BF75B5-70EA-5412-C3A8-D8F9211DCC90}"/>
               </a:ext>
             </a:extLst>
           </p:cNvPr>
@@ -2286,7 +2286,7 @@
           <p:cNvPr id="4" name="文本占位符 3">
             <a:extLst>
               <a:ext uri="{FF2B5EF4-FFF2-40B4-BE49-F238E27FC236}">
-                <a16:creationId xmlns:a16="http://schemas.microsoft.com/office/drawing/2014/main" id="{8C4A14EB-E757-7927-DC61-503255FAD4EB}"/>
+                <a16:creationId xmlns:a16="http://schemas.microsoft.com/office/drawing/2014/main" id="{64872EAA-4AC0-5435-328C-509ABF986052}"/>
               </a:ext>
             </a:extLst>
           </p:cNvPr>
@@ -2357,7 +2357,7 @@
           <p:cNvPr id="5" name="日期占位符 4">
             <a:extLst>
               <a:ext uri="{FF2B5EF4-FFF2-40B4-BE49-F238E27FC236}">
-                <a16:creationId xmlns:a16="http://schemas.microsoft.com/office/drawing/2014/main" id="{87A1C236-04C7-BD33-292E-8C297DA28E11}"/>
+                <a16:creationId xmlns:a16="http://schemas.microsoft.com/office/drawing/2014/main" id="{1FB5036B-4133-A5F1-2466-D1D1B922DF71}"/>
               </a:ext>
             </a:extLst>
           </p:cNvPr>
@@ -2373,7 +2373,7 @@
           <a:bodyPr/>
           <a:lstStyle/>
           <a:p>
-            <a:fld id="{DE7D6274-E219-4413-B113-61CE37A465F4}" type="datetimeFigureOut">
+            <a:fld id="{B97BEA0E-FD1E-46F4-A39A-08510B2075C6}" type="datetimeFigureOut">
               <a:rPr lang="zh-CN" altLang="en-US" smtClean="0"/>
               <a:t>2024/3/10</a:t>
             </a:fld>
@@ -2386,7 +2386,7 @@
           <p:cNvPr id="6" name="页脚占位符 5">
             <a:extLst>
               <a:ext uri="{FF2B5EF4-FFF2-40B4-BE49-F238E27FC236}">
-                <a16:creationId xmlns:a16="http://schemas.microsoft.com/office/drawing/2014/main" id="{7D6D7427-6DEC-AB07-C2D0-5A5DEF85C1ED}"/>
+                <a16:creationId xmlns:a16="http://schemas.microsoft.com/office/drawing/2014/main" id="{BB69A4D5-090B-37A7-9D52-2162CB99880B}"/>
               </a:ext>
             </a:extLst>
           </p:cNvPr>
@@ -2411,7 +2411,7 @@
           <p:cNvPr id="7" name="灯片编号占位符 6">
             <a:extLst>
               <a:ext uri="{FF2B5EF4-FFF2-40B4-BE49-F238E27FC236}">
-                <a16:creationId xmlns:a16="http://schemas.microsoft.com/office/drawing/2014/main" id="{AF7855FE-020B-D80E-29C9-76E365C362AC}"/>
+                <a16:creationId xmlns:a16="http://schemas.microsoft.com/office/drawing/2014/main" id="{E0C15F60-EA90-2E6C-995A-23B01A5D752F}"/>
               </a:ext>
             </a:extLst>
           </p:cNvPr>
@@ -2427,7 +2427,7 @@
           <a:bodyPr/>
           <a:lstStyle/>
           <a:p>
-            <a:fld id="{B5DC5A19-3E74-4999-8C62-E3D8E36A9D81}" type="slidenum">
+            <a:fld id="{03F2080F-994E-4936-89F9-9A754D33837F}" type="slidenum">
               <a:rPr lang="zh-CN" altLang="en-US" smtClean="0"/>
               <a:t>‹#›</a:t>
             </a:fld>
@@ -2438,7 +2438,7 @@
     </p:spTree>
     <p:extLst>
       <p:ext uri="{BB962C8B-B14F-4D97-AF65-F5344CB8AC3E}">
-        <p14:creationId xmlns:p14="http://schemas.microsoft.com/office/powerpoint/2010/main" val="4267482701"/>
+        <p14:creationId xmlns:p14="http://schemas.microsoft.com/office/powerpoint/2010/main" val="611289121"/>
       </p:ext>
     </p:extLst>
   </p:cSld>
@@ -2470,7 +2470,7 @@
           <p:cNvPr id="2" name="标题 1">
             <a:extLst>
               <a:ext uri="{FF2B5EF4-FFF2-40B4-BE49-F238E27FC236}">
-                <a16:creationId xmlns:a16="http://schemas.microsoft.com/office/drawing/2014/main" id="{731B479A-EF3C-969C-FA0F-4BE982A0748A}"/>
+                <a16:creationId xmlns:a16="http://schemas.microsoft.com/office/drawing/2014/main" id="{5D175112-AE66-819E-5807-A7673CC3E521}"/>
               </a:ext>
             </a:extLst>
           </p:cNvPr>
@@ -2507,7 +2507,7 @@
           <p:cNvPr id="3" name="图片占位符 2">
             <a:extLst>
               <a:ext uri="{FF2B5EF4-FFF2-40B4-BE49-F238E27FC236}">
-                <a16:creationId xmlns:a16="http://schemas.microsoft.com/office/drawing/2014/main" id="{36E8F7EB-88A2-6ACC-916A-80EB00BDFA74}"/>
+                <a16:creationId xmlns:a16="http://schemas.microsoft.com/office/drawing/2014/main" id="{4A01507B-E37B-5E81-E521-0C9563714928}"/>
               </a:ext>
             </a:extLst>
           </p:cNvPr>
@@ -2574,7 +2574,7 @@
           <p:cNvPr id="4" name="文本占位符 3">
             <a:extLst>
               <a:ext uri="{FF2B5EF4-FFF2-40B4-BE49-F238E27FC236}">
-                <a16:creationId xmlns:a16="http://schemas.microsoft.com/office/drawing/2014/main" id="{EB2D1BDF-88B2-F493-F4F4-337F58C20987}"/>
+                <a16:creationId xmlns:a16="http://schemas.microsoft.com/office/drawing/2014/main" id="{553A73B0-6A86-3CB0-E6CC-6E9DDDDC9D0A}"/>
               </a:ext>
             </a:extLst>
           </p:cNvPr>
@@ -2645,7 +2645,7 @@
           <p:cNvPr id="5" name="日期占位符 4">
             <a:extLst>
               <a:ext uri="{FF2B5EF4-FFF2-40B4-BE49-F238E27FC236}">
-                <a16:creationId xmlns:a16="http://schemas.microsoft.com/office/drawing/2014/main" id="{EEAB7E80-6B4A-E138-6819-2FFF585CB132}"/>
+                <a16:creationId xmlns:a16="http://schemas.microsoft.com/office/drawing/2014/main" id="{93ADF475-187B-4D3B-47D3-C7E873A8425F}"/>
               </a:ext>
             </a:extLst>
           </p:cNvPr>
@@ -2661,7 +2661,7 @@
           <a:bodyPr/>
           <a:lstStyle/>
           <a:p>
-            <a:fld id="{DE7D6274-E219-4413-B113-61CE37A465F4}" type="datetimeFigureOut">
+            <a:fld id="{B97BEA0E-FD1E-46F4-A39A-08510B2075C6}" type="datetimeFigureOut">
               <a:rPr lang="zh-CN" altLang="en-US" smtClean="0"/>
               <a:t>2024/3/10</a:t>
             </a:fld>
@@ -2674,7 +2674,7 @@
           <p:cNvPr id="6" name="页脚占位符 5">
             <a:extLst>
               <a:ext uri="{FF2B5EF4-FFF2-40B4-BE49-F238E27FC236}">
-                <a16:creationId xmlns:a16="http://schemas.microsoft.com/office/drawing/2014/main" id="{38DE99A0-3D69-E85B-AFD1-B8AECD5ACACA}"/>
+                <a16:creationId xmlns:a16="http://schemas.microsoft.com/office/drawing/2014/main" id="{87A6BB13-871C-8DA1-CDC7-788347153353}"/>
               </a:ext>
             </a:extLst>
           </p:cNvPr>
@@ -2699,7 +2699,7 @@
           <p:cNvPr id="7" name="灯片编号占位符 6">
             <a:extLst>
               <a:ext uri="{FF2B5EF4-FFF2-40B4-BE49-F238E27FC236}">
-                <a16:creationId xmlns:a16="http://schemas.microsoft.com/office/drawing/2014/main" id="{4D94834F-5C1B-7A43-22E1-4F4AD00E5C36}"/>
+                <a16:creationId xmlns:a16="http://schemas.microsoft.com/office/drawing/2014/main" id="{A22036FF-815C-F87C-8921-3B536FE31258}"/>
               </a:ext>
             </a:extLst>
           </p:cNvPr>
@@ -2715,7 +2715,7 @@
           <a:bodyPr/>
           <a:lstStyle/>
           <a:p>
-            <a:fld id="{B5DC5A19-3E74-4999-8C62-E3D8E36A9D81}" type="slidenum">
+            <a:fld id="{03F2080F-994E-4936-89F9-9A754D33837F}" type="slidenum">
               <a:rPr lang="zh-CN" altLang="en-US" smtClean="0"/>
               <a:t>‹#›</a:t>
             </a:fld>
@@ -2726,7 +2726,7 @@
     </p:spTree>
     <p:extLst>
       <p:ext uri="{BB962C8B-B14F-4D97-AF65-F5344CB8AC3E}">
-        <p14:creationId xmlns:p14="http://schemas.microsoft.com/office/powerpoint/2010/main" val="3794998981"/>
+        <p14:creationId xmlns:p14="http://schemas.microsoft.com/office/powerpoint/2010/main" val="310284189"/>
       </p:ext>
     </p:extLst>
   </p:cSld>
@@ -2763,7 +2763,7 @@
           <p:cNvPr id="2" name="标题占位符 1">
             <a:extLst>
               <a:ext uri="{FF2B5EF4-FFF2-40B4-BE49-F238E27FC236}">
-                <a16:creationId xmlns:a16="http://schemas.microsoft.com/office/drawing/2014/main" id="{16AC61FE-9300-3E38-917C-5623B0C845D2}"/>
+                <a16:creationId xmlns:a16="http://schemas.microsoft.com/office/drawing/2014/main" id="{FD13406E-FECE-E536-21CD-233B2CA6C962}"/>
               </a:ext>
             </a:extLst>
           </p:cNvPr>
@@ -2801,7 +2801,7 @@
           <p:cNvPr id="3" name="文本占位符 2">
             <a:extLst>
               <a:ext uri="{FF2B5EF4-FFF2-40B4-BE49-F238E27FC236}">
-                <a16:creationId xmlns:a16="http://schemas.microsoft.com/office/drawing/2014/main" id="{DCC658BC-71C0-6289-AD10-589DF4263101}"/>
+                <a16:creationId xmlns:a16="http://schemas.microsoft.com/office/drawing/2014/main" id="{E055BB12-FCA4-29DE-3024-622BEECD765F}"/>
               </a:ext>
             </a:extLst>
           </p:cNvPr>
@@ -2868,7 +2868,7 @@
           <p:cNvPr id="4" name="日期占位符 3">
             <a:extLst>
               <a:ext uri="{FF2B5EF4-FFF2-40B4-BE49-F238E27FC236}">
-                <a16:creationId xmlns:a16="http://schemas.microsoft.com/office/drawing/2014/main" id="{B714A0DC-D901-2148-D0C0-B2B74ECBC08E}"/>
+                <a16:creationId xmlns:a16="http://schemas.microsoft.com/office/drawing/2014/main" id="{B3E0C67C-F995-774C-0072-AD8E196BAC66}"/>
               </a:ext>
             </a:extLst>
           </p:cNvPr>
@@ -2902,7 +2902,7 @@
             </a:lvl1pPr>
           </a:lstStyle>
           <a:p>
-            <a:fld id="{DE7D6274-E219-4413-B113-61CE37A465F4}" type="datetimeFigureOut">
+            <a:fld id="{B97BEA0E-FD1E-46F4-A39A-08510B2075C6}" type="datetimeFigureOut">
               <a:rPr lang="zh-CN" altLang="en-US" smtClean="0"/>
               <a:t>2024/3/10</a:t>
             </a:fld>
@@ -2915,7 +2915,7 @@
           <p:cNvPr id="5" name="页脚占位符 4">
             <a:extLst>
               <a:ext uri="{FF2B5EF4-FFF2-40B4-BE49-F238E27FC236}">
-                <a16:creationId xmlns:a16="http://schemas.microsoft.com/office/drawing/2014/main" id="{E23EBADE-DE7D-5480-7576-7E3B01F2DD8D}"/>
+                <a16:creationId xmlns:a16="http://schemas.microsoft.com/office/drawing/2014/main" id="{7B59DE95-659E-0A3B-029E-143250DD3D78}"/>
               </a:ext>
             </a:extLst>
           </p:cNvPr>
@@ -2958,7 +2958,7 @@
           <p:cNvPr id="6" name="灯片编号占位符 5">
             <a:extLst>
               <a:ext uri="{FF2B5EF4-FFF2-40B4-BE49-F238E27FC236}">
-                <a16:creationId xmlns:a16="http://schemas.microsoft.com/office/drawing/2014/main" id="{4B03D050-7C54-1476-618A-D91E1D83B5BB}"/>
+                <a16:creationId xmlns:a16="http://schemas.microsoft.com/office/drawing/2014/main" id="{06C71DA8-36F4-BAFE-F393-5F225A6929B9}"/>
               </a:ext>
             </a:extLst>
           </p:cNvPr>
@@ -2992,7 +2992,7 @@
             </a:lvl1pPr>
           </a:lstStyle>
           <a:p>
-            <a:fld id="{B5DC5A19-3E74-4999-8C62-E3D8E36A9D81}" type="slidenum">
+            <a:fld id="{03F2080F-994E-4936-89F9-9A754D33837F}" type="slidenum">
               <a:rPr lang="zh-CN" altLang="en-US" smtClean="0"/>
               <a:t>‹#›</a:t>
             </a:fld>
@@ -3003,7 +3003,7 @@
     </p:spTree>
     <p:extLst>
       <p:ext uri="{BB962C8B-B14F-4D97-AF65-F5344CB8AC3E}">
-        <p14:creationId xmlns:p14="http://schemas.microsoft.com/office/powerpoint/2010/main" val="1654807379"/>
+        <p14:creationId xmlns:p14="http://schemas.microsoft.com/office/powerpoint/2010/main" val="1139997541"/>
       </p:ext>
     </p:extLst>
   </p:cSld>
@@ -3323,7 +3323,7 @@
       </p:grpSpPr>
       <p:pic>
         <p:nvPicPr>
-          <p:cNvPr id="1261570" name="Picture 2" descr="1231"/>
+          <p:cNvPr id="1262594" name="Picture 2" descr="1232"/>
           <p:cNvPicPr>
             <a:picLocks noChangeAspect="1" noChangeArrowheads="1"/>
           </p:cNvPicPr>
@@ -3344,8 +3344,8 @@
         </p:blipFill>
         <p:spPr bwMode="auto">
           <a:xfrm>
-            <a:off x="1524000" y="1"/>
-            <a:ext cx="9144000" cy="4868863"/>
+            <a:off x="1524000" y="0"/>
+            <a:ext cx="9144000" cy="6858000"/>
           </a:xfrm>
           <a:prstGeom prst="rect">
             <a:avLst/>
@@ -3375,11 +3375,158 @@
           </a:extLst>
         </p:spPr>
       </p:pic>
+      <p:pic>
+        <p:nvPicPr>
+          <p:cNvPr id="1263619" name="Picture 3" descr="1232-2"/>
+          <p:cNvPicPr>
+            <a:picLocks noChangeAspect="1" noChangeArrowheads="1"/>
+          </p:cNvPicPr>
+          <p:nvPr/>
+        </p:nvPicPr>
+        <p:blipFill>
+          <a:blip r:embed="rId3">
+            <a:extLst>
+              <a:ext uri="{28A0092B-C50C-407E-A947-70E740481C1C}">
+                <a14:useLocalDpi xmlns:a14="http://schemas.microsoft.com/office/drawing/2010/main" val="0"/>
+              </a:ext>
+            </a:extLst>
+          </a:blip>
+          <a:srcRect/>
+          <a:stretch>
+            <a:fillRect/>
+          </a:stretch>
+        </p:blipFill>
+        <p:spPr bwMode="auto">
+          <a:xfrm>
+            <a:off x="1525589" y="1589"/>
+            <a:ext cx="9109075" cy="6884987"/>
+          </a:xfrm>
+          <a:prstGeom prst="rect">
+            <a:avLst/>
+          </a:prstGeom>
+          <a:noFill/>
+          <a:ln>
+            <a:noFill/>
+          </a:ln>
+          <a:effectLst/>
+          <a:extLst>
+            <a:ext uri="{909E8E84-426E-40DD-AFC4-6F175D3DCCD1}">
+              <a14:hiddenFill xmlns:a14="http://schemas.microsoft.com/office/drawing/2010/main">
+                <a:solidFill>
+                  <a:srgbClr val="FFFFFF"/>
+                </a:solidFill>
+              </a14:hiddenFill>
+            </a:ext>
+            <a:ext uri="{91240B29-F687-4F45-9708-019B960494DF}">
+              <a14:hiddenLine xmlns:a14="http://schemas.microsoft.com/office/drawing/2010/main" w="9525">
+                <a:solidFill>
+                  <a:srgbClr val="000000"/>
+                </a:solidFill>
+                <a:miter lim="800000"/>
+                <a:headEnd/>
+                <a:tailEnd/>
+              </a14:hiddenLine>
+            </a:ext>
+            <a:ext uri="{AF507438-7753-43E0-B8FC-AC1667EBCBE1}">
+              <a14:hiddenEffects xmlns:a14="http://schemas.microsoft.com/office/drawing/2010/main">
+                <a:effectLst>
+                  <a:outerShdw dist="35921" dir="2700000" algn="ctr" rotWithShape="0">
+                    <a:srgbClr val="808080"/>
+                  </a:outerShdw>
+                </a:effectLst>
+              </a14:hiddenEffects>
+            </a:ext>
+          </a:extLst>
+        </p:spPr>
+      </p:pic>
     </p:spTree>
   </p:cSld>
   <p:clrMapOvr>
     <a:masterClrMapping/>
   </p:clrMapOvr>
+  <p:timing>
+    <p:tnLst>
+      <p:par>
+        <p:cTn id="1" dur="indefinite" restart="never" nodeType="tmRoot">
+          <p:childTnLst>
+            <p:seq concurrent="1" nextAc="seek">
+              <p:cTn id="2" dur="indefinite" nodeType="mainSeq">
+                <p:childTnLst>
+                  <p:par>
+                    <p:cTn id="3" fill="hold" nodeType="clickPar">
+                      <p:stCondLst>
+                        <p:cond delay="indefinite"/>
+                      </p:stCondLst>
+                      <p:childTnLst>
+                        <p:par>
+                          <p:cTn id="4" fill="hold" nodeType="withGroup">
+                            <p:stCondLst>
+                              <p:cond delay="0"/>
+                            </p:stCondLst>
+                            <p:childTnLst>
+                              <p:par>
+                                <p:cTn id="5" presetID="10" presetClass="entr" presetSubtype="0" fill="hold" nodeType="clickEffect">
+                                  <p:stCondLst>
+                                    <p:cond delay="0"/>
+                                  </p:stCondLst>
+                                  <p:childTnLst>
+                                    <p:set>
+                                      <p:cBhvr>
+                                        <p:cTn id="6" dur="1" fill="hold">
+                                          <p:stCondLst>
+                                            <p:cond delay="0"/>
+                                          </p:stCondLst>
+                                        </p:cTn>
+                                        <p:tgtEl>
+                                          <p:spTgt spid="1263619"/>
+                                        </p:tgtEl>
+                                        <p:attrNameLst>
+                                          <p:attrName>style.visibility</p:attrName>
+                                        </p:attrNameLst>
+                                      </p:cBhvr>
+                                      <p:to>
+                                        <p:strVal val="visible"/>
+                                      </p:to>
+                                    </p:set>
+                                    <p:animEffect transition="in" filter="fade">
+                                      <p:cBhvr>
+                                        <p:cTn id="7" dur="500"/>
+                                        <p:tgtEl>
+                                          <p:spTgt spid="1263619"/>
+                                        </p:tgtEl>
+                                      </p:cBhvr>
+                                    </p:animEffect>
+                                  </p:childTnLst>
+                                </p:cTn>
+                              </p:par>
+                            </p:childTnLst>
+                          </p:cTn>
+                        </p:par>
+                      </p:childTnLst>
+                    </p:cTn>
+                  </p:par>
+                </p:childTnLst>
+              </p:cTn>
+              <p:prevCondLst>
+                <p:cond evt="onPrev" delay="0">
+                  <p:tgtEl>
+                    <p:sldTgt/>
+                  </p:tgtEl>
+                </p:cond>
+              </p:prevCondLst>
+              <p:nextCondLst>
+                <p:cond evt="onNext" delay="0">
+                  <p:tgtEl>
+                    <p:sldTgt/>
+                  </p:tgtEl>
+                </p:cond>
+              </p:nextCondLst>
+            </p:seq>
+          </p:childTnLst>
+        </p:cTn>
+      </p:par>
+    </p:tnLst>
+  </p:timing>
 </p:sld>
 </file>
 
